--- a/asset/Learn_ja/ITA-Terraform-Driver_ja.pptx
+++ b/asset/Learn_ja/ITA-Terraform-Driver_ja.pptx
@@ -322,7 +322,7 @@
               <a:rPr kumimoji="1" lang="ja-JP" altLang="en-US" smtClean="0">
                 <a:ea typeface="メイリオ" panose="020B0604030504040204" pitchFamily="50" charset="-128"/>
               </a:rPr>
-              <a:t>2021/8/30</a:t>
+              <a:t>2022/1/26</a:t>
             </a:fld>
             <a:endParaRPr kumimoji="1" lang="ja-JP" altLang="en-US" dirty="0">
               <a:ea typeface="メイリオ" panose="020B0604030504040204" pitchFamily="50" charset="-128"/>
@@ -468,7 +468,7 @@
             <a:fld id="{4B26993D-C081-44EB-B0F5-A9F467792B62}" type="datetimeFigureOut">
               <a:rPr lang="ja-JP" altLang="en-US" smtClean="0"/>
               <a:pPr/>
-              <a:t>2021/8/30</a:t>
+              <a:t>2022/1/26</a:t>
             </a:fld>
             <a:endParaRPr lang="ja-JP" altLang="en-US" dirty="0"/>
           </a:p>
@@ -1091,7 +1091,7 @@
           <a:p>
             <a:fld id="{56F9016B-CCA6-43BE-8BEE-59565A35F4F7}" type="datetimeFigureOut">
               <a:rPr kumimoji="1" lang="ja-JP" altLang="en-US" smtClean="0"/>
-              <a:t>2021/8/30</a:t>
+              <a:t>2022/1/26</a:t>
             </a:fld>
             <a:endParaRPr kumimoji="1" lang="ja-JP" altLang="en-US"/>
           </a:p>
@@ -1293,7 +1293,7 @@
           <a:p>
             <a:fld id="{56F9016B-CCA6-43BE-8BEE-59565A35F4F7}" type="datetimeFigureOut">
               <a:rPr kumimoji="1" lang="ja-JP" altLang="en-US" smtClean="0"/>
-              <a:t>2021/8/30</a:t>
+              <a:t>2022/1/26</a:t>
             </a:fld>
             <a:endParaRPr kumimoji="1" lang="ja-JP" altLang="en-US"/>
           </a:p>
@@ -1539,7 +1539,7 @@
           <a:p>
             <a:fld id="{56F9016B-CCA6-43BE-8BEE-59565A35F4F7}" type="datetimeFigureOut">
               <a:rPr kumimoji="1" lang="ja-JP" altLang="en-US" smtClean="0"/>
-              <a:t>2021/8/30</a:t>
+              <a:t>2022/1/26</a:t>
             </a:fld>
             <a:endParaRPr kumimoji="1" lang="ja-JP" altLang="en-US"/>
           </a:p>
@@ -1835,7 +1835,7 @@
           <a:p>
             <a:fld id="{56F9016B-CCA6-43BE-8BEE-59565A35F4F7}" type="datetimeFigureOut">
               <a:rPr kumimoji="1" lang="ja-JP" altLang="en-US" smtClean="0"/>
-              <a:t>2021/8/30</a:t>
+              <a:t>2022/1/26</a:t>
             </a:fld>
             <a:endParaRPr kumimoji="1" lang="ja-JP" altLang="en-US"/>
           </a:p>
@@ -2266,7 +2266,7 @@
           <a:p>
             <a:fld id="{56F9016B-CCA6-43BE-8BEE-59565A35F4F7}" type="datetimeFigureOut">
               <a:rPr kumimoji="1" lang="ja-JP" altLang="en-US" smtClean="0"/>
-              <a:t>2021/8/30</a:t>
+              <a:t>2022/1/26</a:t>
             </a:fld>
             <a:endParaRPr kumimoji="1" lang="ja-JP" altLang="en-US"/>
           </a:p>
@@ -2384,7 +2384,7 @@
           <a:p>
             <a:fld id="{56F9016B-CCA6-43BE-8BEE-59565A35F4F7}" type="datetimeFigureOut">
               <a:rPr kumimoji="1" lang="ja-JP" altLang="en-US" smtClean="0"/>
-              <a:t>2021/8/30</a:t>
+              <a:t>2022/1/26</a:t>
             </a:fld>
             <a:endParaRPr kumimoji="1" lang="ja-JP" altLang="en-US"/>
           </a:p>
@@ -2479,7 +2479,7 @@
           <a:p>
             <a:fld id="{56F9016B-CCA6-43BE-8BEE-59565A35F4F7}" type="datetimeFigureOut">
               <a:rPr kumimoji="1" lang="ja-JP" altLang="en-US" smtClean="0"/>
-              <a:t>2021/8/30</a:t>
+              <a:t>2022/1/26</a:t>
             </a:fld>
             <a:endParaRPr kumimoji="1" lang="ja-JP" altLang="en-US"/>
           </a:p>
@@ -2788,7 +2788,7 @@
           <a:p>
             <a:fld id="{56F9016B-CCA6-43BE-8BEE-59565A35F4F7}" type="datetimeFigureOut">
               <a:rPr kumimoji="1" lang="ja-JP" altLang="en-US" smtClean="0"/>
-              <a:t>2021/8/30</a:t>
+              <a:t>2022/1/26</a:t>
             </a:fld>
             <a:endParaRPr kumimoji="1" lang="ja-JP" altLang="en-US"/>
           </a:p>
@@ -3041,7 +3041,7 @@
           <a:p>
             <a:fld id="{56F9016B-CCA6-43BE-8BEE-59565A35F4F7}" type="datetimeFigureOut">
               <a:rPr kumimoji="1" lang="ja-JP" altLang="en-US" smtClean="0"/>
-              <a:t>2021/8/30</a:t>
+              <a:t>2022/1/26</a:t>
             </a:fld>
             <a:endParaRPr kumimoji="1" lang="ja-JP" altLang="en-US"/>
           </a:p>
@@ -3318,7 +3318,7 @@
           <a:p>
             <a:fld id="{56F9016B-CCA6-43BE-8BEE-59565A35F4F7}" type="datetimeFigureOut">
               <a:rPr kumimoji="1" lang="ja-JP" altLang="en-US" smtClean="0"/>
-              <a:t>2021/8/30</a:t>
+              <a:t>2022/1/26</a:t>
             </a:fld>
             <a:endParaRPr kumimoji="1" lang="ja-JP" altLang="en-US"/>
           </a:p>
@@ -3530,7 +3530,7 @@
           <a:p>
             <a:fld id="{56F9016B-CCA6-43BE-8BEE-59565A35F4F7}" type="datetimeFigureOut">
               <a:rPr kumimoji="1" lang="ja-JP" altLang="en-US" smtClean="0"/>
-              <a:t>2021/8/30</a:t>
+              <a:t>2022/1/26</a:t>
             </a:fld>
             <a:endParaRPr kumimoji="1" lang="ja-JP" altLang="en-US"/>
           </a:p>
@@ -6589,7 +6589,7 @@
           <a:p>
             <a:fld id="{56F9016B-CCA6-43BE-8BEE-59565A35F4F7}" type="datetimeFigureOut">
               <a:rPr kumimoji="1" lang="ja-JP" altLang="en-US" smtClean="0"/>
-              <a:t>2021/8/30</a:t>
+              <a:t>2022/1/26</a:t>
             </a:fld>
             <a:endParaRPr kumimoji="1" lang="ja-JP" altLang="en-US"/>
           </a:p>
@@ -7050,12 +7050,12 @@
               <a:t>ver</a:t>
             </a:r>
             <a:r>
-              <a:rPr lang="en-US" altLang="ja-JP"/>
+              <a:rPr lang="en-US" altLang="ja-JP" dirty="0"/>
               <a:t> </a:t>
             </a:r>
             <a:r>
-              <a:rPr lang="en-US" altLang="ja-JP" smtClean="0"/>
-              <a:t>1.8</a:t>
+              <a:rPr lang="en-US" altLang="ja-JP" dirty="0" smtClean="0"/>
+              <a:t>1.9</a:t>
             </a:r>
             <a:endParaRPr lang="en-US" altLang="ja-JP" dirty="0"/>
           </a:p>
@@ -24596,6 +24596,30 @@
           <a:chExt cx="0" cy="0"/>
         </a:xfrm>
       </p:grpSpPr>
+      <p:pic>
+        <p:nvPicPr>
+          <p:cNvPr id="7" name="図 6"/>
+          <p:cNvPicPr>
+            <a:picLocks noChangeAspect="1"/>
+          </p:cNvPicPr>
+          <p:nvPr/>
+        </p:nvPicPr>
+        <p:blipFill>
+          <a:blip r:embed="rId2"/>
+          <a:stretch>
+            <a:fillRect/>
+          </a:stretch>
+        </p:blipFill>
+        <p:spPr>
+          <a:xfrm>
+            <a:off x="448650" y="2276840"/>
+            <a:ext cx="8245725" cy="4015496"/>
+          </a:xfrm>
+          <a:prstGeom prst="rect">
+            <a:avLst/>
+          </a:prstGeom>
+        </p:spPr>
+      </p:pic>
       <p:sp>
         <p:nvSpPr>
           <p:cNvPr id="2" name="タイトル 1"/>
@@ -24727,30 +24751,6 @@
           </a:p>
         </p:txBody>
       </p:sp>
-      <p:pic>
-        <p:nvPicPr>
-          <p:cNvPr id="4" name="図 3"/>
-          <p:cNvPicPr>
-            <a:picLocks noChangeAspect="1"/>
-          </p:cNvPicPr>
-          <p:nvPr/>
-        </p:nvPicPr>
-        <p:blipFill>
-          <a:blip r:embed="rId2"/>
-          <a:stretch>
-            <a:fillRect/>
-          </a:stretch>
-        </p:blipFill>
-        <p:spPr>
-          <a:xfrm>
-            <a:off x="449170" y="2204830"/>
-            <a:ext cx="8425170" cy="4131113"/>
-          </a:xfrm>
-          <a:prstGeom prst="rect">
-            <a:avLst/>
-          </a:prstGeom>
-        </p:spPr>
-      </p:pic>
       <p:sp>
         <p:nvSpPr>
           <p:cNvPr id="5" name="正方形/長方形 4"/>
@@ -24759,8 +24759,8 @@
         </p:nvSpPr>
         <p:spPr bwMode="auto">
           <a:xfrm>
-            <a:off x="1331550" y="4509150"/>
-            <a:ext cx="720100" cy="792110"/>
+            <a:off x="1907630" y="4542402"/>
+            <a:ext cx="576080" cy="720100"/>
           </a:xfrm>
           <a:prstGeom prst="rect">
             <a:avLst/>
